--- a/presentations/weekly_meetings/2_8_24.pptx
+++ b/presentations/weekly_meetings/2_8_24.pptx
@@ -5556,12 +5556,12 @@
         <p:spPr>
           <a:xfrm>
             <a:off x="838200" y="1919289"/>
-            <a:ext cx="10215880" cy="4623402"/>
+            <a:ext cx="4405175" cy="4623402"/>
           </a:xfrm>
         </p:spPr>
         <p:txBody>
           <a:bodyPr>
-            <a:normAutofit fontScale="92500" lnSpcReduction="20000"/>
+            <a:normAutofit fontScale="62500" lnSpcReduction="20000"/>
           </a:bodyPr>
           <a:lstStyle/>
           <a:p>
@@ -5713,6 +5713,66 @@
           </a:p>
         </p:txBody>
       </p:sp>
+      <p:pic>
+        <p:nvPicPr>
+          <p:cNvPr id="4" name="Picture 3">
+            <a:extLst>
+              <a:ext uri="{FF2B5EF4-FFF2-40B4-BE49-F238E27FC236}">
+                <a16:creationId xmlns:a16="http://schemas.microsoft.com/office/drawing/2014/main" id="{446EE3EC-72F4-F2AA-1CD3-3CEA60A703AB}"/>
+              </a:ext>
+            </a:extLst>
+          </p:cNvPr>
+          <p:cNvPicPr>
+            <a:picLocks noChangeAspect="1"/>
+          </p:cNvPicPr>
+          <p:nvPr/>
+        </p:nvPicPr>
+        <p:blipFill>
+          <a:blip r:embed="rId3"/>
+          <a:stretch>
+            <a:fillRect/>
+          </a:stretch>
+        </p:blipFill>
+        <p:spPr>
+          <a:xfrm>
+            <a:off x="5243375" y="38035"/>
+            <a:ext cx="6321440" cy="4206093"/>
+          </a:xfrm>
+          <a:prstGeom prst="rect">
+            <a:avLst/>
+          </a:prstGeom>
+        </p:spPr>
+      </p:pic>
+      <p:pic>
+        <p:nvPicPr>
+          <p:cNvPr id="5" name="Picture 4">
+            <a:extLst>
+              <a:ext uri="{FF2B5EF4-FFF2-40B4-BE49-F238E27FC236}">
+                <a16:creationId xmlns:a16="http://schemas.microsoft.com/office/drawing/2014/main" id="{BAEF9223-9D74-1F96-376C-438934E02EEB}"/>
+              </a:ext>
+            </a:extLst>
+          </p:cNvPr>
+          <p:cNvPicPr>
+            <a:picLocks noChangeAspect="1"/>
+          </p:cNvPicPr>
+          <p:nvPr/>
+        </p:nvPicPr>
+        <p:blipFill>
+          <a:blip r:embed="rId4"/>
+          <a:stretch>
+            <a:fillRect/>
+          </a:stretch>
+        </p:blipFill>
+        <p:spPr>
+          <a:xfrm>
+            <a:off x="6337790" y="4095872"/>
+            <a:ext cx="3972857" cy="2724094"/>
+          </a:xfrm>
+          <a:prstGeom prst="rect">
+            <a:avLst/>
+          </a:prstGeom>
+        </p:spPr>
+      </p:pic>
     </p:spTree>
     <p:extLst>
       <p:ext uri="{BB962C8B-B14F-4D97-AF65-F5344CB8AC3E}">
